--- a/3단계_테이블 명세서.pptx
+++ b/3단계_테이블 명세서.pptx
@@ -105,6 +105,11 @@
       </a:defRPr>
     </a:lvl9pPr>
   </p:defaultTextStyle>
+  <p:extLst>
+    <p:ext uri="{EFAFB233-063F-42B5-8137-9DF3F51BA10A}">
+      <p15:sldGuideLst xmlns:p15="http://schemas.microsoft.com/office/powerpoint/2012/main"/>
+    </p:ext>
+  </p:extLst>
 </p:presentation>
 </file>
 
@@ -4698,14 +4703,14 @@
           <p:nvPr>
             <p:extLst>
               <p:ext uri="{D42A27DB-BD31-4B8C-83A1-F6EECF244321}">
-                <p14:modId xmlns:p14="http://schemas.microsoft.com/office/powerpoint/2010/main" val="3864234516"/>
+                <p14:modId xmlns:p14="http://schemas.microsoft.com/office/powerpoint/2010/main" val="4257291865"/>
               </p:ext>
             </p:extLst>
           </p:nvPr>
         </p:nvGraphicFramePr>
         <p:xfrm>
           <a:off x="661986" y="1343025"/>
-          <a:ext cx="10868025" cy="3383280"/>
+          <a:ext cx="10868025" cy="3291840"/>
         </p:xfrm>
         <a:graphic>
           <a:graphicData uri="http://schemas.openxmlformats.org/drawingml/2006/table">
@@ -5382,10 +5387,20 @@
                     <a:lstStyle/>
                     <a:p>
                       <a:pPr algn="ctr" latinLnBrk="1"/>
-                      <a:endParaRPr lang="ko-KR" altLang="en-US">
-                        <a:latin typeface="페이퍼로지 4 Regular" pitchFamily="2" charset="-127"/>
-                        <a:ea typeface="페이퍼로지 4 Regular" pitchFamily="2" charset="-127"/>
-                      </a:endParaRPr>
+                      <a:r>
+                        <a:rPr lang="en-US" altLang="ko-KR" dirty="0">
+                          <a:latin typeface="페이퍼로지 4 Regular" pitchFamily="2" charset="-127"/>
+                          <a:ea typeface="페이퍼로지 4 Regular" pitchFamily="2" charset="-127"/>
+                        </a:rPr>
+                        <a:t>0</a:t>
+                      </a:r>
+                      <a:r>
+                        <a:rPr lang="ko-KR" altLang="en-US" dirty="0">
+                          <a:latin typeface="페이퍼로지 4 Regular" pitchFamily="2" charset="-127"/>
+                          <a:ea typeface="페이퍼로지 4 Regular" pitchFamily="2" charset="-127"/>
+                        </a:rPr>
+                        <a:t>이상</a:t>
+                      </a:r>
                     </a:p>
                   </a:txBody>
                   <a:tcPr/>
@@ -5654,21 +5669,28 @@
                     <a:lstStyle/>
                     <a:p>
                       <a:pPr algn="ctr" latinLnBrk="1"/>
-                      <a:endParaRPr lang="ko-KR" altLang="en-US">
-                        <a:latin typeface="페이퍼로지 4 Regular" pitchFamily="2" charset="-127"/>
-                        <a:ea typeface="페이퍼로지 4 Regular" pitchFamily="2" charset="-127"/>
-                      </a:endParaRPr>
-                    </a:p>
-                  </a:txBody>
-                  <a:tcPr/>
-                </a:tc>
-                <a:tc>
-                  <a:txBody>
-                    <a:bodyPr/>
-                    <a:lstStyle/>
-                    <a:p>
-                      <a:pPr algn="ctr" latinLnBrk="1"/>
-                      <a:endParaRPr lang="ko-KR" altLang="en-US">
+                      <a:r>
+                        <a:rPr lang="en-US" altLang="ko-KR" dirty="0">
+                          <a:latin typeface="페이퍼로지 4 Regular" pitchFamily="2" charset="-127"/>
+                          <a:ea typeface="페이퍼로지 4 Regular" pitchFamily="2" charset="-127"/>
+                        </a:rPr>
+                        <a:t>FK</a:t>
+                      </a:r>
+                      <a:endParaRPr lang="ko-KR" altLang="en-US" dirty="0">
+                        <a:latin typeface="페이퍼로지 4 Regular" pitchFamily="2" charset="-127"/>
+                        <a:ea typeface="페이퍼로지 4 Regular" pitchFamily="2" charset="-127"/>
+                      </a:endParaRPr>
+                    </a:p>
+                  </a:txBody>
+                  <a:tcPr/>
+                </a:tc>
+                <a:tc>
+                  <a:txBody>
+                    <a:bodyPr/>
+                    <a:lstStyle/>
+                    <a:p>
+                      <a:pPr algn="ctr" latinLnBrk="1"/>
+                      <a:endParaRPr lang="ko-KR" altLang="en-US" dirty="0">
                         <a:latin typeface="페이퍼로지 4 Regular" pitchFamily="2" charset="-127"/>
                         <a:ea typeface="페이퍼로지 4 Regular" pitchFamily="2" charset="-127"/>
                       </a:endParaRPr>
@@ -5806,30 +5828,10 @@
                     <a:lstStyle/>
                     <a:p>
                       <a:pPr algn="ctr" latinLnBrk="1"/>
-                      <a:r>
-                        <a:rPr lang="en-US" altLang="ko-KR" sz="1200" dirty="0">
-                          <a:latin typeface="페이퍼로지 4 Regular" pitchFamily="2" charset="-127"/>
-                          <a:ea typeface="페이퍼로지 4 Regular" pitchFamily="2" charset="-127"/>
-                        </a:rPr>
-                        <a:t>Silver, Gold, </a:t>
-                      </a:r>
-                    </a:p>
-                    <a:p>
-                      <a:pPr algn="ctr" latinLnBrk="1"/>
-                      <a:r>
-                        <a:rPr lang="en-US" altLang="ko-KR" sz="1200" dirty="0">
-                          <a:latin typeface="페이퍼로지 4 Regular" pitchFamily="2" charset="-127"/>
-                          <a:ea typeface="페이퍼로지 4 Regular" pitchFamily="2" charset="-127"/>
-                        </a:rPr>
-                        <a:t>Vip </a:t>
-                      </a:r>
-                      <a:r>
-                        <a:rPr lang="ko-KR" altLang="en-US" sz="1200" dirty="0">
-                          <a:latin typeface="페이퍼로지 4 Regular" pitchFamily="2" charset="-127"/>
-                          <a:ea typeface="페이퍼로지 4 Regular" pitchFamily="2" charset="-127"/>
-                        </a:rPr>
-                        <a:t>만 허용</a:t>
-                      </a:r>
+                      <a:endParaRPr lang="en-US" altLang="ko-KR" sz="1200" dirty="0">
+                        <a:latin typeface="페이퍼로지 4 Regular" pitchFamily="2" charset="-127"/>
+                        <a:ea typeface="페이퍼로지 4 Regular" pitchFamily="2" charset="-127"/>
+                      </a:endParaRPr>
                     </a:p>
                   </a:txBody>
                   <a:tcPr/>
